--- a/docs/images/images.pptx
+++ b/docs/images/images.pptx
@@ -2966,100 +2966,199 @@
           </a:p>
         </p:txBody>
       </p:sp>
+      <p:cxnSp>
+        <p:nvCxnSpPr>
+          <p:cNvPr id="8" name="直接连接符 7"/>
+          <p:cNvCxnSpPr/>
+          <p:nvPr/>
+        </p:nvCxnSpPr>
+        <p:spPr>
+          <a:xfrm>
+            <a:off x="4734560" y="3573145"/>
+            <a:ext cx="2154555" cy="0"/>
+          </a:xfrm>
+          <a:prstGeom prst="line">
+            <a:avLst/>
+          </a:prstGeom>
+          <a:ln w="12700">
+            <a:solidFill>
+              <a:schemeClr val="tx1"/>
+            </a:solidFill>
+          </a:ln>
+        </p:spPr>
+        <p:style>
+          <a:lnRef idx="1">
+            <a:schemeClr val="accent1"/>
+          </a:lnRef>
+          <a:fillRef idx="0">
+            <a:schemeClr val="accent1"/>
+          </a:fillRef>
+          <a:effectRef idx="0">
+            <a:schemeClr val="accent1"/>
+          </a:effectRef>
+          <a:fontRef idx="minor">
+            <a:schemeClr val="tx1"/>
+          </a:fontRef>
+        </p:style>
+      </p:cxnSp>
       <p:pic>
         <p:nvPicPr>
-          <p:cNvPr id="5" name="图片 4" descr="19968869"/>
+          <p:cNvPr id="13" name="图片 12"/>
           <p:cNvPicPr>
             <a:picLocks noChangeAspect="1"/>
           </p:cNvPicPr>
           <p:nvPr/>
         </p:nvPicPr>
         <p:blipFill>
-          <a:blip r:embed="rId1">
-            <a:extLst>
-              <a:ext uri="{96DAC541-7B7A-43D3-8B79-37D633B846F1}">
-                <asvg:svgBlip xmlns:asvg="http://schemas.microsoft.com/office/drawing/2016/SVG/main" r:embed="rId2"/>
-              </a:ext>
-            </a:extLst>
-          </a:blip>
+          <a:blip r:embed="rId1"/>
           <a:stretch>
             <a:fillRect/>
           </a:stretch>
         </p:blipFill>
         <p:spPr>
           <a:xfrm>
-            <a:off x="2789555" y="1479550"/>
-            <a:ext cx="1160780" cy="1160780"/>
+            <a:off x="5545455" y="3618865"/>
+            <a:ext cx="981710" cy="796925"/>
           </a:xfrm>
           <a:prstGeom prst="rect">
             <a:avLst/>
           </a:prstGeom>
         </p:spPr>
       </p:pic>
-      <p:sp>
-        <p:nvSpPr>
-          <p:cNvPr id="6" name="矩形 5"/>
-          <p:cNvSpPr/>
+      <p:grpSp>
+        <p:nvGrpSpPr>
+          <p:cNvPr id="15" name="组合 14"/>
+          <p:cNvGrpSpPr/>
           <p:nvPr/>
-        </p:nvSpPr>
+        </p:nvGrpSpPr>
+        <p:grpSpPr>
+          <a:xfrm>
+            <a:off x="5533390" y="2614930"/>
+            <a:ext cx="923925" cy="852805"/>
+            <a:chOff x="7235" y="3593"/>
+            <a:chExt cx="2034" cy="1878"/>
+          </a:xfrm>
+        </p:grpSpPr>
+        <p:pic>
+          <p:nvPicPr>
+            <p:cNvPr id="12" name="图片 11"/>
+            <p:cNvPicPr>
+              <a:picLocks noChangeAspect="1"/>
+            </p:cNvPicPr>
+            <p:nvPr/>
+          </p:nvPicPr>
+          <p:blipFill>
+            <a:blip r:embed="rId2"/>
+            <a:stretch>
+              <a:fillRect/>
+            </a:stretch>
+          </p:blipFill>
+          <p:spPr>
+            <a:xfrm>
+              <a:off x="7235" y="3593"/>
+              <a:ext cx="2035" cy="1879"/>
+            </a:xfrm>
+            <a:prstGeom prst="rect">
+              <a:avLst/>
+            </a:prstGeom>
+          </p:spPr>
+        </p:pic>
+        <p:sp>
+          <p:nvSpPr>
+            <p:cNvPr id="14" name="矩形 13"/>
+            <p:cNvSpPr/>
+            <p:nvPr/>
+          </p:nvSpPr>
+          <p:spPr>
+            <a:xfrm>
+              <a:off x="7647" y="5177"/>
+              <a:ext cx="1390" cy="135"/>
+            </a:xfrm>
+            <a:prstGeom prst="rect">
+              <a:avLst/>
+            </a:prstGeom>
+            <a:solidFill>
+              <a:srgbClr val="FFFFFF"/>
+            </a:solidFill>
+            <a:ln>
+              <a:solidFill>
+                <a:srgbClr val="FFFFFE"/>
+              </a:solidFill>
+            </a:ln>
+          </p:spPr>
+          <p:style>
+            <a:lnRef idx="2">
+              <a:schemeClr val="accent1">
+                <a:shade val="50000"/>
+              </a:schemeClr>
+            </a:lnRef>
+            <a:fillRef idx="1">
+              <a:schemeClr val="accent1"/>
+            </a:fillRef>
+            <a:effectRef idx="0">
+              <a:schemeClr val="accent1"/>
+            </a:effectRef>
+            <a:fontRef idx="minor">
+              <a:schemeClr val="lt1"/>
+            </a:fontRef>
+          </p:style>
+          <p:txBody>
+            <a:bodyPr rtlCol="0" anchor="ctr"/>
+            <a:p>
+              <a:pPr algn="ctr"/>
+              <a:endParaRPr lang="zh-CN" altLang="en-US"/>
+            </a:p>
+          </p:txBody>
+        </p:sp>
+      </p:grpSp>
+      <p:pic>
+        <p:nvPicPr>
+          <p:cNvPr id="17" name="图片 16"/>
+          <p:cNvPicPr>
+            <a:picLocks noChangeAspect="1"/>
+          </p:cNvPicPr>
+          <p:nvPr/>
+        </p:nvPicPr>
+        <p:blipFill>
+          <a:blip r:embed="rId3"/>
+          <a:stretch>
+            <a:fillRect/>
+          </a:stretch>
+        </p:blipFill>
         <p:spPr>
           <a:xfrm>
-            <a:off x="2470150" y="2640330"/>
-            <a:ext cx="1800225" cy="518795"/>
+            <a:off x="2854325" y="2555875"/>
+            <a:ext cx="2305050" cy="1619250"/>
           </a:xfrm>
           <a:prstGeom prst="rect">
             <a:avLst/>
           </a:prstGeom>
-          <a:noFill/>
-          <a:ln>
-            <a:noFill/>
-          </a:ln>
-          <a:extLst>
-            <a:ext uri="{909E8E84-426E-40DD-AFC4-6F175D3DCCD1}">
-              <a14:hiddenFill xmlns:a14="http://schemas.microsoft.com/office/drawing/2010/main">
-                <a:solidFill>
-                  <a:schemeClr val="accent1"/>
-                </a:solidFill>
-              </a14:hiddenFill>
-            </a:ext>
-          </a:extLst>
         </p:spPr>
-        <p:style>
-          <a:lnRef idx="2">
-            <a:schemeClr val="accent1">
-              <a:shade val="50000"/>
-            </a:schemeClr>
-          </a:lnRef>
-          <a:fillRef idx="1">
-            <a:schemeClr val="accent1"/>
-          </a:fillRef>
-          <a:effectRef idx="0">
-            <a:schemeClr val="accent1"/>
-          </a:effectRef>
-          <a:fontRef idx="minor">
-            <a:schemeClr val="lt1"/>
-          </a:fontRef>
-        </p:style>
-        <p:txBody>
-          <a:bodyPr rtlCol="0" anchor="ctr"/>
-          <a:p>
-            <a:pPr algn="ctr"/>
-            <a:r>
-              <a:rPr lang="zh-CN" altLang="zh-CN">
-                <a:solidFill>
-                  <a:schemeClr val="tx1"/>
-                </a:solidFill>
-              </a:rPr>
-              <a:t>快速入门</a:t>
-            </a:r>
-            <a:endParaRPr lang="zh-CN" altLang="zh-CN">
-              <a:solidFill>
-                <a:schemeClr val="tx1"/>
-              </a:solidFill>
-            </a:endParaRPr>
-          </a:p>
-        </p:txBody>
-      </p:sp>
+      </p:pic>
+      <p:pic>
+        <p:nvPicPr>
+          <p:cNvPr id="18" name="图片 17" descr="XR872AT-EVB-IO"/>
+          <p:cNvPicPr>
+            <a:picLocks noChangeAspect="1"/>
+          </p:cNvPicPr>
+          <p:nvPr/>
+        </p:nvPicPr>
+        <p:blipFill>
+          <a:blip r:embed="rId4"/>
+          <a:stretch>
+            <a:fillRect/>
+          </a:stretch>
+        </p:blipFill>
+        <p:spPr>
+          <a:xfrm>
+            <a:off x="6889115" y="3228340"/>
+            <a:ext cx="1083310" cy="688975"/>
+          </a:xfrm>
+          <a:prstGeom prst="rect">
+            <a:avLst/>
+          </a:prstGeom>
+        </p:spPr>
+      </p:pic>
     </p:spTree>
   </p:cSld>
   <p:clrMapOvr>

--- a/docs/images/images.pptx
+++ b/docs/images/images.pptx
@@ -2966,124 +2966,41 @@
           </a:p>
         </p:txBody>
       </p:sp>
-      <p:cxnSp>
-        <p:nvCxnSpPr>
-          <p:cNvPr id="8" name="直接连接符 7"/>
-          <p:cNvCxnSpPr/>
-          <p:nvPr/>
-        </p:nvCxnSpPr>
-        <p:spPr>
-          <a:xfrm>
-            <a:off x="4734560" y="3573145"/>
-            <a:ext cx="2154555" cy="0"/>
-          </a:xfrm>
-          <a:prstGeom prst="line">
-            <a:avLst/>
-          </a:prstGeom>
-          <a:ln w="12700">
-            <a:solidFill>
-              <a:schemeClr val="tx1"/>
-            </a:solidFill>
-          </a:ln>
-        </p:spPr>
-        <p:style>
-          <a:lnRef idx="1">
-            <a:schemeClr val="accent1"/>
-          </a:lnRef>
-          <a:fillRef idx="0">
-            <a:schemeClr val="accent1"/>
-          </a:fillRef>
-          <a:effectRef idx="0">
-            <a:schemeClr val="accent1"/>
-          </a:effectRef>
-          <a:fontRef idx="minor">
-            <a:schemeClr val="tx1"/>
-          </a:fontRef>
-        </p:style>
-      </p:cxnSp>
-      <p:pic>
-        <p:nvPicPr>
-          <p:cNvPr id="13" name="图片 12"/>
-          <p:cNvPicPr>
-            <a:picLocks noChangeAspect="1"/>
-          </p:cNvPicPr>
-          <p:nvPr/>
-        </p:nvPicPr>
-        <p:blipFill>
-          <a:blip r:embed="rId1"/>
-          <a:stretch>
-            <a:fillRect/>
-          </a:stretch>
-        </p:blipFill>
-        <p:spPr>
-          <a:xfrm>
-            <a:off x="5545455" y="3618865"/>
-            <a:ext cx="981710" cy="796925"/>
-          </a:xfrm>
-          <a:prstGeom prst="rect">
-            <a:avLst/>
-          </a:prstGeom>
-        </p:spPr>
-      </p:pic>
       <p:grpSp>
         <p:nvGrpSpPr>
-          <p:cNvPr id="15" name="组合 14"/>
+          <p:cNvPr id="23" name="组合 22"/>
           <p:cNvGrpSpPr/>
           <p:nvPr/>
         </p:nvGrpSpPr>
         <p:grpSpPr>
           <a:xfrm>
-            <a:off x="5533390" y="2614930"/>
-            <a:ext cx="923925" cy="852805"/>
-            <a:chOff x="7235" y="3593"/>
-            <a:chExt cx="2034" cy="1878"/>
+            <a:off x="2733675" y="2494915"/>
+            <a:ext cx="5314950" cy="2006600"/>
+            <a:chOff x="4305" y="3929"/>
+            <a:chExt cx="8370" cy="3160"/>
           </a:xfrm>
         </p:grpSpPr>
-        <p:pic>
-          <p:nvPicPr>
-            <p:cNvPr id="12" name="图片 11"/>
-            <p:cNvPicPr>
-              <a:picLocks noChangeAspect="1"/>
-            </p:cNvPicPr>
-            <p:nvPr/>
-          </p:nvPicPr>
-          <p:blipFill>
-            <a:blip r:embed="rId2"/>
-            <a:stretch>
-              <a:fillRect/>
-            </a:stretch>
-          </p:blipFill>
-          <p:spPr>
-            <a:xfrm>
-              <a:off x="7235" y="3593"/>
-              <a:ext cx="2035" cy="1879"/>
-            </a:xfrm>
-            <a:prstGeom prst="rect">
-              <a:avLst/>
-            </a:prstGeom>
-          </p:spPr>
-        </p:pic>
         <p:sp>
           <p:nvSpPr>
-            <p:cNvPr id="14" name="矩形 13"/>
+            <p:cNvPr id="22" name="圆角矩形 21"/>
             <p:cNvSpPr/>
             <p:nvPr/>
           </p:nvSpPr>
           <p:spPr>
             <a:xfrm>
-              <a:off x="7647" y="5177"/>
-              <a:ext cx="1390" cy="135"/>
+              <a:off x="4305" y="3929"/>
+              <a:ext cx="8370" cy="3160"/>
             </a:xfrm>
-            <a:prstGeom prst="rect">
-              <a:avLst/>
+            <a:prstGeom prst="roundRect">
+              <a:avLst>
+                <a:gd name="adj" fmla="val 2436"/>
+              </a:avLst>
             </a:prstGeom>
             <a:solidFill>
-              <a:srgbClr val="FFFFFF"/>
+              <a:schemeClr val="bg1"/>
             </a:solidFill>
             <a:ln>
-              <a:solidFill>
-                <a:srgbClr val="FFFFFE"/>
-              </a:solidFill>
+              <a:noFill/>
             </a:ln>
           </p:spPr>
           <p:style>
@@ -3110,55 +3027,215 @@
             </a:p>
           </p:txBody>
         </p:sp>
+        <p:grpSp>
+          <p:nvGrpSpPr>
+            <p:cNvPr id="19" name="组合 18"/>
+            <p:cNvGrpSpPr/>
+            <p:nvPr/>
+          </p:nvGrpSpPr>
+          <p:grpSpPr>
+            <a:xfrm>
+              <a:off x="4495" y="4025"/>
+              <a:ext cx="8060" cy="2928"/>
+              <a:chOff x="4495" y="4025"/>
+              <a:chExt cx="8060" cy="2928"/>
+            </a:xfrm>
+          </p:grpSpPr>
+          <p:cxnSp>
+            <p:nvCxnSpPr>
+              <p:cNvPr id="8" name="直接连接符 7"/>
+              <p:cNvCxnSpPr/>
+              <p:nvPr/>
+            </p:nvCxnSpPr>
+            <p:spPr>
+              <a:xfrm>
+                <a:off x="7456" y="5627"/>
+                <a:ext cx="3393" cy="0"/>
+              </a:xfrm>
+              <a:prstGeom prst="line">
+                <a:avLst/>
+              </a:prstGeom>
+              <a:ln w="12700">
+                <a:solidFill>
+                  <a:schemeClr val="tx1"/>
+                </a:solidFill>
+              </a:ln>
+            </p:spPr>
+            <p:style>
+              <a:lnRef idx="1">
+                <a:schemeClr val="accent1"/>
+              </a:lnRef>
+              <a:fillRef idx="0">
+                <a:schemeClr val="accent1"/>
+              </a:fillRef>
+              <a:effectRef idx="0">
+                <a:schemeClr val="accent1"/>
+              </a:effectRef>
+              <a:fontRef idx="minor">
+                <a:schemeClr val="tx1"/>
+              </a:fontRef>
+            </p:style>
+          </p:cxnSp>
+          <p:pic>
+            <p:nvPicPr>
+              <p:cNvPr id="13" name="图片 12"/>
+              <p:cNvPicPr>
+                <a:picLocks noChangeAspect="1"/>
+              </p:cNvPicPr>
+              <p:nvPr/>
+            </p:nvPicPr>
+            <p:blipFill>
+              <a:blip r:embed="rId1"/>
+              <a:stretch>
+                <a:fillRect/>
+              </a:stretch>
+            </p:blipFill>
+            <p:spPr>
+              <a:xfrm>
+                <a:off x="8733" y="5699"/>
+                <a:ext cx="1546" cy="1255"/>
+              </a:xfrm>
+              <a:prstGeom prst="rect">
+                <a:avLst/>
+              </a:prstGeom>
+            </p:spPr>
+          </p:pic>
+          <p:grpSp>
+            <p:nvGrpSpPr>
+              <p:cNvPr id="15" name="组合 14"/>
+              <p:cNvGrpSpPr/>
+              <p:nvPr/>
+            </p:nvGrpSpPr>
+            <p:grpSpPr>
+              <a:xfrm>
+                <a:off x="8714" y="4118"/>
+                <a:ext cx="1455" cy="1343"/>
+                <a:chOff x="7235" y="3593"/>
+                <a:chExt cx="2034" cy="1878"/>
+              </a:xfrm>
+            </p:grpSpPr>
+            <p:pic>
+              <p:nvPicPr>
+                <p:cNvPr id="12" name="图片 11"/>
+                <p:cNvPicPr>
+                  <a:picLocks noChangeAspect="1"/>
+                </p:cNvPicPr>
+                <p:nvPr/>
+              </p:nvPicPr>
+              <p:blipFill>
+                <a:blip r:embed="rId2"/>
+                <a:stretch>
+                  <a:fillRect/>
+                </a:stretch>
+              </p:blipFill>
+              <p:spPr>
+                <a:xfrm>
+                  <a:off x="7235" y="3593"/>
+                  <a:ext cx="2035" cy="1879"/>
+                </a:xfrm>
+                <a:prstGeom prst="rect">
+                  <a:avLst/>
+                </a:prstGeom>
+              </p:spPr>
+            </p:pic>
+            <p:sp>
+              <p:nvSpPr>
+                <p:cNvPr id="14" name="矩形 13"/>
+                <p:cNvSpPr/>
+                <p:nvPr/>
+              </p:nvSpPr>
+              <p:spPr>
+                <a:xfrm>
+                  <a:off x="7647" y="5177"/>
+                  <a:ext cx="1390" cy="135"/>
+                </a:xfrm>
+                <a:prstGeom prst="rect">
+                  <a:avLst/>
+                </a:prstGeom>
+                <a:solidFill>
+                  <a:srgbClr val="FFFFFF"/>
+                </a:solidFill>
+                <a:ln>
+                  <a:solidFill>
+                    <a:srgbClr val="FFFFFE"/>
+                  </a:solidFill>
+                </a:ln>
+              </p:spPr>
+              <p:style>
+                <a:lnRef idx="2">
+                  <a:schemeClr val="accent1">
+                    <a:shade val="50000"/>
+                  </a:schemeClr>
+                </a:lnRef>
+                <a:fillRef idx="1">
+                  <a:schemeClr val="accent1"/>
+                </a:fillRef>
+                <a:effectRef idx="0">
+                  <a:schemeClr val="accent1"/>
+                </a:effectRef>
+                <a:fontRef idx="minor">
+                  <a:schemeClr val="lt1"/>
+                </a:fontRef>
+              </p:style>
+              <p:txBody>
+                <a:bodyPr rtlCol="0" anchor="ctr"/>
+                <a:p>
+                  <a:pPr algn="ctr"/>
+                  <a:endParaRPr lang="zh-CN" altLang="en-US"/>
+                </a:p>
+              </p:txBody>
+            </p:sp>
+          </p:grpSp>
+          <p:pic>
+            <p:nvPicPr>
+              <p:cNvPr id="17" name="图片 16"/>
+              <p:cNvPicPr>
+                <a:picLocks noChangeAspect="1"/>
+              </p:cNvPicPr>
+              <p:nvPr/>
+            </p:nvPicPr>
+            <p:blipFill>
+              <a:blip r:embed="rId3"/>
+              <a:stretch>
+                <a:fillRect/>
+              </a:stretch>
+            </p:blipFill>
+            <p:spPr>
+              <a:xfrm>
+                <a:off x="4495" y="4025"/>
+                <a:ext cx="3630" cy="2550"/>
+              </a:xfrm>
+              <a:prstGeom prst="rect">
+                <a:avLst/>
+              </a:prstGeom>
+            </p:spPr>
+          </p:pic>
+          <p:pic>
+            <p:nvPicPr>
+              <p:cNvPr id="18" name="图片 17" descr="XR872AT-EVB-IO"/>
+              <p:cNvPicPr>
+                <a:picLocks noChangeAspect="1"/>
+              </p:cNvPicPr>
+              <p:nvPr/>
+            </p:nvPicPr>
+            <p:blipFill>
+              <a:blip r:embed="rId4"/>
+              <a:stretch>
+                <a:fillRect/>
+              </a:stretch>
+            </p:blipFill>
+            <p:spPr>
+              <a:xfrm>
+                <a:off x="10849" y="5084"/>
+                <a:ext cx="1706" cy="1085"/>
+              </a:xfrm>
+              <a:prstGeom prst="rect">
+                <a:avLst/>
+              </a:prstGeom>
+            </p:spPr>
+          </p:pic>
+        </p:grpSp>
       </p:grpSp>
-      <p:pic>
-        <p:nvPicPr>
-          <p:cNvPr id="17" name="图片 16"/>
-          <p:cNvPicPr>
-            <a:picLocks noChangeAspect="1"/>
-          </p:cNvPicPr>
-          <p:nvPr/>
-        </p:nvPicPr>
-        <p:blipFill>
-          <a:blip r:embed="rId3"/>
-          <a:stretch>
-            <a:fillRect/>
-          </a:stretch>
-        </p:blipFill>
-        <p:spPr>
-          <a:xfrm>
-            <a:off x="2854325" y="2555875"/>
-            <a:ext cx="2305050" cy="1619250"/>
-          </a:xfrm>
-          <a:prstGeom prst="rect">
-            <a:avLst/>
-          </a:prstGeom>
-        </p:spPr>
-      </p:pic>
-      <p:pic>
-        <p:nvPicPr>
-          <p:cNvPr id="18" name="图片 17" descr="XR872AT-EVB-IO"/>
-          <p:cNvPicPr>
-            <a:picLocks noChangeAspect="1"/>
-          </p:cNvPicPr>
-          <p:nvPr/>
-        </p:nvPicPr>
-        <p:blipFill>
-          <a:blip r:embed="rId4"/>
-          <a:stretch>
-            <a:fillRect/>
-          </a:stretch>
-        </p:blipFill>
-        <p:spPr>
-          <a:xfrm>
-            <a:off x="6889115" y="3228340"/>
-            <a:ext cx="1083310" cy="688975"/>
-          </a:xfrm>
-          <a:prstGeom prst="rect">
-            <a:avLst/>
-          </a:prstGeom>
-        </p:spPr>
-      </p:pic>
     </p:spTree>
   </p:cSld>
   <p:clrMapOvr>
